--- a/poster/fxtract poster.pptx
+++ b/poster/fxtract poster.pptx
@@ -14,7 +14,7 @@
     <p:sldId id="260" r:id="rId5"/>
   </p:sldIdLst>
   <p:sldSz cx="9601200" cy="12801600" type="A3"/>
-  <p:notesSz cx="6858000" cy="9144000"/>
+  <p:notesSz cx="6669088" cy="9753600"/>
   <p:defaultTextStyle>
     <a:defPPr>
       <a:defRPr lang="en-US"/>
@@ -112,7 +112,7 @@
   </p:defaultTextStyle>
   <p:extLst>
     <p:ext uri="{EFAFB233-063F-42B5-8137-9DF3F51BA10A}">
-      <p15:sldGuideLst xmlns="" xmlns:p15="http://schemas.microsoft.com/office/powerpoint/2012/main"/>
+      <p15:sldGuideLst xmlns:p15="http://schemas.microsoft.com/office/powerpoint/2012/main" xmlns=""/>
     </p:ext>
   </p:extLst>
 </p:presentation>
@@ -151,7 +151,7 @@
           <p:cNvPr id="2" name="Header Placeholder 1">
             <a:extLst>
               <a:ext uri="{FF2B5EF4-FFF2-40B4-BE49-F238E27FC236}">
-                <a16:creationId xmlns="" xmlns:a16="http://schemas.microsoft.com/office/drawing/2014/main" id="{D46A1053-397F-4A6C-96B9-6DD8D62CC79A}"/>
+                <a16:creationId xmlns:a16="http://schemas.microsoft.com/office/drawing/2014/main" xmlns="" id="{D46A1053-397F-4A6C-96B9-6DD8D62CC79A}"/>
               </a:ext>
             </a:extLst>
           </p:cNvPr>
@@ -165,7 +165,7 @@
         <p:spPr>
           <a:xfrm>
             <a:off x="0" y="0"/>
-            <a:ext cx="2971800" cy="458788"/>
+            <a:ext cx="2889938" cy="489374"/>
           </a:xfrm>
           <a:prstGeom prst="rect">
             <a:avLst/>
@@ -188,7 +188,7 @@
           <p:cNvPr id="3" name="Date Placeholder 2">
             <a:extLst>
               <a:ext uri="{FF2B5EF4-FFF2-40B4-BE49-F238E27FC236}">
-                <a16:creationId xmlns="" xmlns:a16="http://schemas.microsoft.com/office/drawing/2014/main" id="{3AA86A52-1548-4394-BB9B-792BD3D08E27}"/>
+                <a16:creationId xmlns:a16="http://schemas.microsoft.com/office/drawing/2014/main" xmlns="" id="{3AA86A52-1548-4394-BB9B-792BD3D08E27}"/>
               </a:ext>
             </a:extLst>
           </p:cNvPr>
@@ -201,8 +201,8 @@
         </p:nvSpPr>
         <p:spPr>
           <a:xfrm>
-            <a:off x="3884613" y="0"/>
-            <a:ext cx="2971800" cy="458788"/>
+            <a:off x="3777607" y="0"/>
+            <a:ext cx="2889938" cy="489374"/>
           </a:xfrm>
           <a:prstGeom prst="rect">
             <a:avLst/>
@@ -218,7 +218,7 @@
           <a:p>
             <a:fld id="{B11220B4-6706-412D-9D5A-E5F0A3D0E36B}" type="datetimeFigureOut">
               <a:rPr lang="en-US" smtClean="0"/>
-              <a:t>5/21/2019</a:t>
+              <a:t>5/22/2019</a:t>
             </a:fld>
             <a:endParaRPr lang="en-US" dirty="0"/>
           </a:p>
@@ -229,7 +229,7 @@
           <p:cNvPr id="4" name="Footer Placeholder 3">
             <a:extLst>
               <a:ext uri="{FF2B5EF4-FFF2-40B4-BE49-F238E27FC236}">
-                <a16:creationId xmlns="" xmlns:a16="http://schemas.microsoft.com/office/drawing/2014/main" id="{F2DA1A18-E3B3-4C59-AEDF-1C3606266D5B}"/>
+                <a16:creationId xmlns:a16="http://schemas.microsoft.com/office/drawing/2014/main" xmlns="" id="{F2DA1A18-E3B3-4C59-AEDF-1C3606266D5B}"/>
               </a:ext>
             </a:extLst>
           </p:cNvPr>
@@ -242,8 +242,8 @@
         </p:nvSpPr>
         <p:spPr>
           <a:xfrm>
-            <a:off x="0" y="8685213"/>
-            <a:ext cx="2971800" cy="458787"/>
+            <a:off x="0" y="9264228"/>
+            <a:ext cx="2889938" cy="489373"/>
           </a:xfrm>
           <a:prstGeom prst="rect">
             <a:avLst/>
@@ -266,7 +266,7 @@
           <p:cNvPr id="5" name="Slide Number Placeholder 4">
             <a:extLst>
               <a:ext uri="{FF2B5EF4-FFF2-40B4-BE49-F238E27FC236}">
-                <a16:creationId xmlns="" xmlns:a16="http://schemas.microsoft.com/office/drawing/2014/main" id="{8D9C5CCD-847A-45F5-9D2B-3B3022F5459B}"/>
+                <a16:creationId xmlns:a16="http://schemas.microsoft.com/office/drawing/2014/main" xmlns="" id="{8D9C5CCD-847A-45F5-9D2B-3B3022F5459B}"/>
               </a:ext>
             </a:extLst>
           </p:cNvPr>
@@ -279,8 +279,8 @@
         </p:nvSpPr>
         <p:spPr>
           <a:xfrm>
-            <a:off x="3884613" y="8685213"/>
-            <a:ext cx="2971800" cy="458787"/>
+            <a:off x="3777607" y="9264228"/>
+            <a:ext cx="2889938" cy="489373"/>
           </a:xfrm>
           <a:prstGeom prst="rect">
             <a:avLst/>
@@ -348,7 +348,7 @@
         <p:spPr>
           <a:xfrm>
             <a:off x="0" y="0"/>
-            <a:ext cx="2971800" cy="458788"/>
+            <a:ext cx="2889938" cy="489374"/>
           </a:xfrm>
           <a:prstGeom prst="rect">
             <a:avLst/>
@@ -378,8 +378,8 @@
         </p:nvSpPr>
         <p:spPr>
           <a:xfrm>
-            <a:off x="3884613" y="0"/>
-            <a:ext cx="2971800" cy="458788"/>
+            <a:off x="3777607" y="0"/>
+            <a:ext cx="2889938" cy="489374"/>
           </a:xfrm>
           <a:prstGeom prst="rect">
             <a:avLst/>
@@ -395,7 +395,7 @@
           <a:p>
             <a:fld id="{84B28338-5C4B-411F-976E-4C1C4D46AF39}" type="datetimeFigureOut">
               <a:rPr lang="en-US" smtClean="0"/>
-              <a:t>5/21/2019</a:t>
+              <a:t>5/22/2019</a:t>
             </a:fld>
             <a:endParaRPr lang="en-US" dirty="0"/>
           </a:p>
@@ -413,8 +413,8 @@
         </p:nvSpPr>
         <p:spPr>
           <a:xfrm>
-            <a:off x="2271713" y="1143000"/>
-            <a:ext cx="2314575" cy="3086100"/>
+            <a:off x="2100263" y="1219200"/>
+            <a:ext cx="2468562" cy="3292475"/>
           </a:xfrm>
           <a:prstGeom prst="rect">
             <a:avLst/>
@@ -446,8 +446,8 @@
         </p:nvSpPr>
         <p:spPr>
           <a:xfrm>
-            <a:off x="685800" y="4400550"/>
-            <a:ext cx="5486400" cy="3600450"/>
+            <a:off x="666909" y="4693920"/>
+            <a:ext cx="5335270" cy="3840480"/>
           </a:xfrm>
           <a:prstGeom prst="rect">
             <a:avLst/>
@@ -505,8 +505,8 @@
         </p:nvSpPr>
         <p:spPr>
           <a:xfrm>
-            <a:off x="0" y="8685213"/>
-            <a:ext cx="2971800" cy="458787"/>
+            <a:off x="0" y="9264228"/>
+            <a:ext cx="2889938" cy="489373"/>
           </a:xfrm>
           <a:prstGeom prst="rect">
             <a:avLst/>
@@ -536,8 +536,8 @@
         </p:nvSpPr>
         <p:spPr>
           <a:xfrm>
-            <a:off x="3884613" y="8685213"/>
-            <a:ext cx="2971800" cy="458787"/>
+            <a:off x="3777607" y="9264228"/>
+            <a:ext cx="2889938" cy="489373"/>
           </a:xfrm>
           <a:prstGeom prst="rect">
             <a:avLst/>
@@ -694,7 +694,7 @@
           <p:cNvPr id="2" name="Title 1">
             <a:extLst>
               <a:ext uri="{FF2B5EF4-FFF2-40B4-BE49-F238E27FC236}">
-                <a16:creationId xmlns="" xmlns:a16="http://schemas.microsoft.com/office/drawing/2014/main" id="{454469CC-F6B6-483C-9573-E1A34D2D7E47}"/>
+                <a16:creationId xmlns:a16="http://schemas.microsoft.com/office/drawing/2014/main" xmlns="" id="{454469CC-F6B6-483C-9573-E1A34D2D7E47}"/>
               </a:ext>
             </a:extLst>
           </p:cNvPr>
@@ -1119,7 +1119,7 @@
           <p:cNvPr id="146" name="Oval 144">
             <a:extLst>
               <a:ext uri="{FF2B5EF4-FFF2-40B4-BE49-F238E27FC236}">
-                <a16:creationId xmlns="" xmlns:a16="http://schemas.microsoft.com/office/drawing/2014/main" id="{EC951EC0-8124-4C7F-95F6-3850ABA68862}"/>
+                <a16:creationId xmlns:a16="http://schemas.microsoft.com/office/drawing/2014/main" xmlns="" id="{EC951EC0-8124-4C7F-95F6-3850ABA68862}"/>
               </a:ext>
             </a:extLst>
           </p:cNvPr>
@@ -1173,7 +1173,7 @@
           <p:cNvPr id="16" name="Title 15" hidden="1">
             <a:extLst>
               <a:ext uri="{FF2B5EF4-FFF2-40B4-BE49-F238E27FC236}">
-                <a16:creationId xmlns="" xmlns:a16="http://schemas.microsoft.com/office/drawing/2014/main" id="{927BF0CE-9BB6-405C-A7AB-8E5D101F1A81}"/>
+                <a16:creationId xmlns:a16="http://schemas.microsoft.com/office/drawing/2014/main" xmlns="" id="{927BF0CE-9BB6-405C-A7AB-8E5D101F1A81}"/>
               </a:ext>
             </a:extLst>
           </p:cNvPr>
@@ -1201,7 +1201,7 @@
           <p:cNvPr id="10" name="Group 9" descr="Headline">
             <a:extLst>
               <a:ext uri="{FF2B5EF4-FFF2-40B4-BE49-F238E27FC236}">
-                <a16:creationId xmlns="" xmlns:a16="http://schemas.microsoft.com/office/drawing/2014/main" id="{83AF4264-1B8B-4096-99CE-CD065FDA1C1E}"/>
+                <a16:creationId xmlns:a16="http://schemas.microsoft.com/office/drawing/2014/main" xmlns="" id="{83AF4264-1B8B-4096-99CE-CD065FDA1C1E}"/>
               </a:ext>
             </a:extLst>
           </p:cNvPr>
@@ -1221,7 +1221,7 @@
             <p:cNvPr id="58" name="TextBox 57">
               <a:extLst>
                 <a:ext uri="{FF2B5EF4-FFF2-40B4-BE49-F238E27FC236}">
-                  <a16:creationId xmlns="" xmlns:a16="http://schemas.microsoft.com/office/drawing/2014/main" id="{86D2B746-2878-4D20-9AFC-71E12C7B7002}"/>
+                  <a16:creationId xmlns:a16="http://schemas.microsoft.com/office/drawing/2014/main" xmlns="" id="{86D2B746-2878-4D20-9AFC-71E12C7B7002}"/>
                 </a:ext>
               </a:extLst>
             </p:cNvPr>
@@ -1267,7 +1267,7 @@
             <p:cNvPr id="54" name="TextBox 53">
               <a:extLst>
                 <a:ext uri="{FF2B5EF4-FFF2-40B4-BE49-F238E27FC236}">
-                  <a16:creationId xmlns="" xmlns:a16="http://schemas.microsoft.com/office/drawing/2014/main" id="{E3C4141D-3D29-4554-B3A8-A5A2FB1E2811}"/>
+                  <a16:creationId xmlns:a16="http://schemas.microsoft.com/office/drawing/2014/main" xmlns="" id="{E3C4141D-3D29-4554-B3A8-A5A2FB1E2811}"/>
                 </a:ext>
               </a:extLst>
             </p:cNvPr>
@@ -1314,7 +1314,7 @@
           <p:cNvPr id="22" name="Rectangle 21" descr="Bottom Bar">
             <a:extLst>
               <a:ext uri="{FF2B5EF4-FFF2-40B4-BE49-F238E27FC236}">
-                <a16:creationId xmlns="" xmlns:a16="http://schemas.microsoft.com/office/drawing/2014/main" id="{8B5655C9-67FC-4407-AF9A-B7431182A2A8}"/>
+                <a16:creationId xmlns:a16="http://schemas.microsoft.com/office/drawing/2014/main" xmlns="" id="{8B5655C9-67FC-4407-AF9A-B7431182A2A8}"/>
               </a:ext>
             </a:extLst>
           </p:cNvPr>
@@ -1366,10 +1366,10 @@
           <p:cNvPr id="74" name="Straight Connector 73" descr="Footer separation line">
             <a:extLst>
               <a:ext uri="{FF2B5EF4-FFF2-40B4-BE49-F238E27FC236}">
-                <a16:creationId xmlns="" xmlns:a16="http://schemas.microsoft.com/office/drawing/2014/main" id="{F4FDF632-4D14-497C-9373-F6176DCB1678}"/>
+                <a16:creationId xmlns:a16="http://schemas.microsoft.com/office/drawing/2014/main" xmlns="" id="{F4FDF632-4D14-497C-9373-F6176DCB1678}"/>
               </a:ext>
               <a:ext uri="{C183D7F6-B498-43B3-948B-1728B52AA6E4}">
-                <adec:decorative xmlns="" xmlns:adec="http://schemas.microsoft.com/office/drawing/2017/decorative" val="1"/>
+                <adec:decorative xmlns:adec="http://schemas.microsoft.com/office/drawing/2017/decorative" xmlns="" val="1"/>
               </a:ext>
             </a:extLst>
           </p:cNvPr>
@@ -1412,10 +1412,10 @@
           <p:cNvPr id="28" name="Straight Connector 27" descr="Footer separation line">
             <a:extLst>
               <a:ext uri="{FF2B5EF4-FFF2-40B4-BE49-F238E27FC236}">
-                <a16:creationId xmlns="" xmlns:a16="http://schemas.microsoft.com/office/drawing/2014/main" id="{22DA487B-67A2-42A3-9796-1277E424A41F}"/>
+                <a16:creationId xmlns:a16="http://schemas.microsoft.com/office/drawing/2014/main" xmlns="" id="{22DA487B-67A2-42A3-9796-1277E424A41F}"/>
               </a:ext>
               <a:ext uri="{C183D7F6-B498-43B3-948B-1728B52AA6E4}">
-                <adec:decorative xmlns="" xmlns:adec="http://schemas.microsoft.com/office/drawing/2017/decorative" val="1"/>
+                <adec:decorative xmlns:adec="http://schemas.microsoft.com/office/drawing/2017/decorative" xmlns="" val="1"/>
               </a:ext>
             </a:extLst>
           </p:cNvPr>
@@ -1843,7 +1843,7 @@
           <p:cNvPr id="213" name="TextBox 167">
             <a:extLst>
               <a:ext uri="{FF2B5EF4-FFF2-40B4-BE49-F238E27FC236}">
-                <a16:creationId xmlns="" xmlns:a16="http://schemas.microsoft.com/office/drawing/2014/main" id="{200C2E65-7F83-42F0-BBB4-B6CF3715A410}"/>
+                <a16:creationId xmlns:a16="http://schemas.microsoft.com/office/drawing/2014/main" xmlns="" id="{200C2E65-7F83-42F0-BBB4-B6CF3715A410}"/>
               </a:ext>
             </a:extLst>
           </p:cNvPr>
@@ -1869,18 +1869,12 @@
             <a:r>
               <a:rPr lang="en-US" sz="3200" b="1" dirty="0">
                 <a:solidFill>
-                  <a:schemeClr val="bg1"/>
+                  <a:srgbClr val="DD0000"/>
                 </a:solidFill>
                 <a:latin typeface="Varela"/>
               </a:rPr>
               <a:t>Grouped Data</a:t>
             </a:r>
-            <a:endParaRPr lang="en-US" sz="3200" b="1" dirty="0">
-              <a:solidFill>
-                <a:schemeClr val="accent1"/>
-              </a:solidFill>
-              <a:latin typeface="Varela"/>
-            </a:endParaRPr>
           </a:p>
         </p:txBody>
       </p:sp>
@@ -1889,7 +1883,7 @@
           <p:cNvPr id="214" name="TextBox 171">
             <a:extLst>
               <a:ext uri="{FF2B5EF4-FFF2-40B4-BE49-F238E27FC236}">
-                <a16:creationId xmlns="" xmlns:a16="http://schemas.microsoft.com/office/drawing/2014/main" id="{9507CA22-BA3A-4F55-AD94-603023F5BED9}"/>
+                <a16:creationId xmlns:a16="http://schemas.microsoft.com/office/drawing/2014/main" xmlns="" id="{9507CA22-BA3A-4F55-AD94-603023F5BED9}"/>
               </a:ext>
             </a:extLst>
           </p:cNvPr>
@@ -2088,7 +2082,7 @@
           <p:cNvPr id="229" name="TextBox 167">
             <a:extLst>
               <a:ext uri="{FF2B5EF4-FFF2-40B4-BE49-F238E27FC236}">
-                <a16:creationId xmlns="" xmlns:a16="http://schemas.microsoft.com/office/drawing/2014/main" id="{200C2E65-7F83-42F0-BBB4-B6CF3715A410}"/>
+                <a16:creationId xmlns:a16="http://schemas.microsoft.com/office/drawing/2014/main" xmlns="" id="{200C2E65-7F83-42F0-BBB4-B6CF3715A410}"/>
               </a:ext>
             </a:extLst>
           </p:cNvPr>
@@ -2114,18 +2108,12 @@
             <a:r>
               <a:rPr lang="en-US" sz="3200" b="1" dirty="0">
                 <a:solidFill>
-                  <a:schemeClr val="bg1"/>
+                  <a:srgbClr val="DD0000"/>
                 </a:solidFill>
                 <a:latin typeface="Varela"/>
               </a:rPr>
               <a:t>User-defined Features</a:t>
             </a:r>
-            <a:endParaRPr lang="en-US" sz="3200" b="1" dirty="0">
-              <a:solidFill>
-                <a:schemeClr val="accent1"/>
-              </a:solidFill>
-              <a:latin typeface="Varela"/>
-            </a:endParaRPr>
           </a:p>
         </p:txBody>
       </p:sp>
@@ -2177,7 +2165,7 @@
           <p:cNvPr id="235" name="TextBox 167">
             <a:extLst>
               <a:ext uri="{FF2B5EF4-FFF2-40B4-BE49-F238E27FC236}">
-                <a16:creationId xmlns="" xmlns:a16="http://schemas.microsoft.com/office/drawing/2014/main" id="{200C2E65-7F83-42F0-BBB4-B6CF3715A410}"/>
+                <a16:creationId xmlns:a16="http://schemas.microsoft.com/office/drawing/2014/main" xmlns="" id="{200C2E65-7F83-42F0-BBB4-B6CF3715A410}"/>
               </a:ext>
             </a:extLst>
           </p:cNvPr>
@@ -2209,12 +2197,6 @@
               </a:rPr>
               <a:t>Parallelization</a:t>
             </a:r>
-            <a:endParaRPr lang="en-US" sz="3200" b="1" dirty="0">
-              <a:solidFill>
-                <a:schemeClr val="bg1"/>
-              </a:solidFill>
-              <a:latin typeface="Varela"/>
-            </a:endParaRPr>
           </a:p>
         </p:txBody>
       </p:sp>
@@ -2223,7 +2205,7 @@
           <p:cNvPr id="236" name="TextBox 167">
             <a:extLst>
               <a:ext uri="{FF2B5EF4-FFF2-40B4-BE49-F238E27FC236}">
-                <a16:creationId xmlns="" xmlns:a16="http://schemas.microsoft.com/office/drawing/2014/main" id="{200C2E65-7F83-42F0-BBB4-B6CF3715A410}"/>
+                <a16:creationId xmlns:a16="http://schemas.microsoft.com/office/drawing/2014/main" xmlns="" id="{200C2E65-7F83-42F0-BBB4-B6CF3715A410}"/>
               </a:ext>
             </a:extLst>
           </p:cNvPr>
@@ -2255,12 +2237,6 @@
               </a:rPr>
               <a:t>Error Handling</a:t>
             </a:r>
-            <a:endParaRPr lang="en-US" sz="3200" b="1" dirty="0">
-              <a:solidFill>
-                <a:schemeClr val="bg1"/>
-              </a:solidFill>
-              <a:latin typeface="Varela"/>
-            </a:endParaRPr>
           </a:p>
         </p:txBody>
       </p:sp>
@@ -2269,7 +2245,7 @@
           <p:cNvPr id="237" name="TextBox 167">
             <a:extLst>
               <a:ext uri="{FF2B5EF4-FFF2-40B4-BE49-F238E27FC236}">
-                <a16:creationId xmlns="" xmlns:a16="http://schemas.microsoft.com/office/drawing/2014/main" id="{200C2E65-7F83-42F0-BBB4-B6CF3715A410}"/>
+                <a16:creationId xmlns:a16="http://schemas.microsoft.com/office/drawing/2014/main" xmlns="" id="{200C2E65-7F83-42F0-BBB4-B6CF3715A410}"/>
               </a:ext>
             </a:extLst>
           </p:cNvPr>
@@ -2303,14 +2279,6 @@
               </a:rPr>
               <a:t>…</a:t>
             </a:r>
-            <a:endParaRPr lang="en-US" sz="3200" b="1" dirty="0">
-              <a:solidFill>
-                <a:schemeClr val="bg1">
-                  <a:lumMod val="85000"/>
-                </a:schemeClr>
-              </a:solidFill>
-              <a:latin typeface="Varela"/>
-            </a:endParaRPr>
           </a:p>
         </p:txBody>
       </p:sp>
@@ -2319,7 +2287,7 @@
           <p:cNvPr id="238" name="TextBox 167">
             <a:extLst>
               <a:ext uri="{FF2B5EF4-FFF2-40B4-BE49-F238E27FC236}">
-                <a16:creationId xmlns="" xmlns:a16="http://schemas.microsoft.com/office/drawing/2014/main" id="{200C2E65-7F83-42F0-BBB4-B6CF3715A410}"/>
+                <a16:creationId xmlns:a16="http://schemas.microsoft.com/office/drawing/2014/main" xmlns="" id="{200C2E65-7F83-42F0-BBB4-B6CF3715A410}"/>
               </a:ext>
             </a:extLst>
           </p:cNvPr>
@@ -2351,12 +2319,6 @@
               </a:rPr>
               <a:t>Object Oriented (R6)</a:t>
             </a:r>
-            <a:endParaRPr lang="en-US" sz="3200" b="1" dirty="0">
-              <a:solidFill>
-                <a:schemeClr val="bg1"/>
-              </a:solidFill>
-              <a:latin typeface="Varela"/>
-            </a:endParaRPr>
           </a:p>
         </p:txBody>
       </p:sp>
@@ -2455,7 +2417,7 @@
         <p:spPr>
           <a:xfrm>
             <a:off x="6221203" y="7771273"/>
-            <a:ext cx="2832811" cy="945259"/>
+            <a:ext cx="2832811" cy="1149931"/>
           </a:xfrm>
           <a:prstGeom prst="rect">
             <a:avLst/>
@@ -2476,7 +2438,7 @@
                 </a:solidFill>
                 <a:latin typeface="Varela"/>
               </a:rPr>
-              <a:t>Calculation does not stop, if single functions fail on single datasets. Instead, error messages are made available.</a:t>
+              <a:t>Calculation does not stop, if single functions fail on single datasets. Instead, missings are reported and error messages are made available.</a:t>
             </a:r>
             <a:endParaRPr lang="en-US" noProof="1">
               <a:solidFill>
@@ -2494,7 +2456,7 @@
           <p:cNvPr id="243" name="TextBox 167">
             <a:extLst>
               <a:ext uri="{FF2B5EF4-FFF2-40B4-BE49-F238E27FC236}">
-                <a16:creationId xmlns="" xmlns:a16="http://schemas.microsoft.com/office/drawing/2014/main" id="{200C2E65-7F83-42F0-BBB4-B6CF3715A410}"/>
+                <a16:creationId xmlns:a16="http://schemas.microsoft.com/office/drawing/2014/main" xmlns="" id="{200C2E65-7F83-42F0-BBB4-B6CF3715A410}"/>
               </a:ext>
             </a:extLst>
           </p:cNvPr>
@@ -2526,12 +2488,6 @@
               </a:rPr>
               <a:t>Big Data</a:t>
             </a:r>
-            <a:endParaRPr lang="en-US" sz="3200" b="1" dirty="0">
-              <a:solidFill>
-                <a:schemeClr val="bg1"/>
-              </a:solidFill>
-              <a:latin typeface="Varela"/>
-            </a:endParaRPr>
           </a:p>
         </p:txBody>
       </p:sp>
@@ -2641,17 +2597,8 @@
               <a:rPr lang="en-US" sz="1100" noProof="1">
                 <a:latin typeface="Varela"/>
               </a:rPr>
-              <a:t>i</a:t>
-            </a:r>
-            <a:r>
-              <a:rPr lang="en-US" sz="1100" noProof="1">
-                <a:latin typeface="Varela"/>
-              </a:rPr>
-              <a:t>nstall.packages(“fxtract”)</a:t>
-            </a:r>
-            <a:endParaRPr lang="en-US" sz="1100" noProof="1">
-              <a:latin typeface="Varela"/>
-            </a:endParaRPr>
+              <a:t>install.packages(“fxtract”)</a:t>
+            </a:r>
           </a:p>
         </p:txBody>
       </p:sp>
@@ -2694,23 +2641,8 @@
               <a:rPr lang="de-DE" sz="1100" dirty="0">
                 <a:latin typeface="Varela"/>
               </a:rPr>
-              <a:t>https</a:t>
-            </a:r>
-            <a:r>
-              <a:rPr lang="de-DE" sz="1100" dirty="0">
-                <a:latin typeface="Varela"/>
-              </a:rPr>
-              <a:t>://</a:t>
-            </a:r>
-            <a:r>
-              <a:rPr lang="de-DE" sz="1100" dirty="0">
-                <a:latin typeface="Varela"/>
-              </a:rPr>
-              <a:t>github.com/QuayAu/fxtract</a:t>
-            </a:r>
-            <a:endParaRPr lang="de-DE" sz="1100" dirty="0">
-              <a:latin typeface="Varela"/>
-            </a:endParaRPr>
+              <a:t>https://github.com/QuayAu/fxtract</a:t>
+            </a:r>
           </a:p>
         </p:txBody>
       </p:sp>
@@ -2773,7 +2705,7 @@
         </p:blipFill>
         <p:spPr>
           <a:xfrm>
-            <a:off x="6023783" y="12054587"/>
+            <a:off x="6023782" y="12054587"/>
             <a:ext cx="194547" cy="194547"/>
           </a:xfrm>
           <a:prstGeom prst="rect">
@@ -2810,7 +2742,7 @@
         </p:blipFill>
         <p:spPr>
           <a:xfrm>
-            <a:off x="6024381" y="12317821"/>
+            <a:off x="6030305" y="12308216"/>
             <a:ext cx="188025" cy="188025"/>
           </a:xfrm>
           <a:prstGeom prst="rect">
@@ -2931,9 +2863,6 @@
               </a:rPr>
               <a:t>quay.au@stat.uni-muenchen.de</a:t>
             </a:r>
-            <a:endParaRPr lang="de-DE" sz="900" dirty="0">
-              <a:latin typeface="Varela"/>
-            </a:endParaRPr>
           </a:p>
         </p:txBody>
       </p:sp>
@@ -2942,7 +2871,7 @@
           <p:cNvPr id="46" name="TextBox 167">
             <a:extLst>
               <a:ext uri="{FF2B5EF4-FFF2-40B4-BE49-F238E27FC236}">
-                <a16:creationId xmlns="" xmlns:a16="http://schemas.microsoft.com/office/drawing/2014/main" id="{200C2E65-7F83-42F0-BBB4-B6CF3715A410}"/>
+                <a16:creationId xmlns:a16="http://schemas.microsoft.com/office/drawing/2014/main" xmlns="" id="{200C2E65-7F83-42F0-BBB4-B6CF3715A410}"/>
               </a:ext>
             </a:extLst>
           </p:cNvPr>
@@ -2968,18 +2897,12 @@
             <a:r>
               <a:rPr lang="en-US" sz="3200" b="1" dirty="0">
                 <a:solidFill>
-                  <a:schemeClr val="bg1"/>
+                  <a:srgbClr val="DD0000"/>
                 </a:solidFill>
                 <a:latin typeface="Varela"/>
               </a:rPr>
               <a:t>Summarized Data</a:t>
             </a:r>
-            <a:endParaRPr lang="en-US" sz="3200" b="1" dirty="0">
-              <a:solidFill>
-                <a:schemeClr val="accent1"/>
-              </a:solidFill>
-              <a:latin typeface="Varela"/>
-            </a:endParaRPr>
           </a:p>
         </p:txBody>
       </p:sp>
@@ -2988,7 +2911,7 @@
           <p:cNvPr id="48" name="TextBox 171">
             <a:extLst>
               <a:ext uri="{FF2B5EF4-FFF2-40B4-BE49-F238E27FC236}">
-                <a16:creationId xmlns="" xmlns:a16="http://schemas.microsoft.com/office/drawing/2014/main" id="{9507CA22-BA3A-4F55-AD94-603023F5BED9}"/>
+                <a16:creationId xmlns:a16="http://schemas.microsoft.com/office/drawing/2014/main" xmlns="" id="{9507CA22-BA3A-4F55-AD94-603023F5BED9}"/>
               </a:ext>
             </a:extLst>
           </p:cNvPr>
@@ -2998,7 +2921,7 @@
         <p:spPr>
           <a:xfrm>
             <a:off x="6415100" y="10307789"/>
-            <a:ext cx="3036754" cy="508986"/>
+            <a:ext cx="3036754" cy="719044"/>
           </a:xfrm>
           <a:prstGeom prst="rect">
             <a:avLst/>
@@ -3020,7 +2943,29 @@
                 </a:solidFill>
                 <a:latin typeface="Varela"/>
               </a:rPr>
-              <a:t>The resulting dataset is available in the R6 object (1 row per group).</a:t>
+              <a:t>The resulting dataset is available in the R6 object </a:t>
+            </a:r>
+            <a:r>
+              <a:rPr lang="en-US" noProof="1" smtClean="0">
+                <a:solidFill>
+                  <a:schemeClr val="bg1">
+                    <a:lumMod val="65000"/>
+                  </a:schemeClr>
+                </a:solidFill>
+                <a:latin typeface="Varela"/>
+              </a:rPr>
+              <a:t>as dataframe (1 </a:t>
+            </a:r>
+            <a:r>
+              <a:rPr lang="en-US" noProof="1" smtClean="0">
+                <a:solidFill>
+                  <a:schemeClr val="bg1">
+                    <a:lumMod val="65000"/>
+                  </a:schemeClr>
+                </a:solidFill>
+                <a:latin typeface="Varela"/>
+              </a:rPr>
+              <a:t>row per group).</a:t>
             </a:r>
             <a:endParaRPr lang="en-US" noProof="1">
               <a:solidFill>
@@ -3062,7 +3007,7 @@
         </p:blipFill>
         <p:spPr>
           <a:xfrm>
-            <a:off x="6031156" y="12555763"/>
+            <a:off x="6037079" y="12534504"/>
             <a:ext cx="174475" cy="174475"/>
           </a:xfrm>
           <a:prstGeom prst="rect">
@@ -3078,7 +3023,7 @@
         </p:nvSpPr>
         <p:spPr>
           <a:xfrm>
-            <a:off x="6251795" y="12528557"/>
+            <a:off x="6251795" y="12511298"/>
             <a:ext cx="1716367" cy="211213"/>
           </a:xfrm>
           <a:prstGeom prst="rect">
@@ -3360,7 +3305,7 @@
   <a:extraClrSchemeLst/>
   <a:extLst>
     <a:ext uri="{05A4C25C-085E-4340-85A3-A5531E510DB2}">
-      <thm15:themeFamily xmlns="" xmlns:thm15="http://schemas.microsoft.com/office/thememl/2012/main" name="Presentation1" id="{53F27873-7CD2-4E16-A484-EFEAF3781240}" vid="{F6276626-966B-4BB3-9741-A2ADA0CF9F7C}"/>
+      <thm15:themeFamily xmlns:thm15="http://schemas.microsoft.com/office/thememl/2012/main" xmlns="" name="Presentation1" id="{53F27873-7CD2-4E16-A484-EFEAF3781240}" vid="{F6276626-966B-4BB3-9741-A2ADA0CF9F7C}"/>
     </a:ext>
   </a:extLst>
 </a:theme>
@@ -3655,7 +3600,7 @@
   <a:extraClrSchemeLst/>
   <a:extLst>
     <a:ext uri="{05A4C25C-085E-4340-85A3-A5531E510DB2}">
-      <thm15:themeFamily xmlns="" xmlns:thm15="http://schemas.microsoft.com/office/thememl/2012/main" name="Office Theme" id="{62F939B6-93AF-4DB8-9C6B-D6C7DFDC589F}" vid="{4A3C46E8-61CC-4603-A589-7422A47A8E4A}"/>
+      <thm15:themeFamily xmlns:thm15="http://schemas.microsoft.com/office/thememl/2012/main" xmlns="" name="Office Theme" id="{62F939B6-93AF-4DB8-9C6B-D6C7DFDC589F}" vid="{4A3C46E8-61CC-4603-A589-7422A47A8E4A}"/>
     </a:ext>
   </a:extLst>
 </a:theme>
@@ -3950,13 +3895,30 @@
   <a:extraClrSchemeLst/>
   <a:extLst>
     <a:ext uri="{05A4C25C-085E-4340-85A3-A5531E510DB2}">
-      <thm15:themeFamily xmlns="" xmlns:thm15="http://schemas.microsoft.com/office/thememl/2012/main" name="Office Theme" id="{62F939B6-93AF-4DB8-9C6B-D6C7DFDC589F}" vid="{4A3C46E8-61CC-4603-A589-7422A47A8E4A}"/>
+      <thm15:themeFamily xmlns:thm15="http://schemas.microsoft.com/office/thememl/2012/main" xmlns="" name="Office Theme" id="{62F939B6-93AF-4DB8-9C6B-D6C7DFDC589F}" vid="{4A3C46E8-61CC-4603-A589-7422A47A8E4A}"/>
     </a:ext>
   </a:extLst>
 </a:theme>
 </file>
 
 <file path=customXml/item1.xml><?xml version="1.0" encoding="utf-8"?>
+<p:properties xmlns:p="http://schemas.microsoft.com/office/2006/metadata/properties" xmlns:xsi="http://www.w3.org/2001/XMLSchema-instance" xmlns:pc="http://schemas.microsoft.com/office/infopath/2007/PartnerControls">
+  <documentManagement>
+    <MediaServiceKeyPoints xmlns="71af3243-3dd4-4a8d-8c0d-dd76da1f02a5" xsi:nil="true"/>
+  </documentManagement>
+</p:properties>
+</file>
+
+<file path=customXml/item2.xml><?xml version="1.0" encoding="utf-8"?>
+<?mso-contentType ?>
+<FormTemplates xmlns="http://schemas.microsoft.com/sharepoint/v3/contenttype/forms">
+  <Display>DocumentLibraryForm</Display>
+  <Edit>DocumentLibraryForm</Edit>
+  <New>DocumentLibraryForm</New>
+</FormTemplates>
+</file>
+
+<file path=customXml/item3.xml><?xml version="1.0" encoding="utf-8"?>
 <ct:contentTypeSchema xmlns:ct="http://schemas.microsoft.com/office/2006/metadata/contentType" xmlns:ma="http://schemas.microsoft.com/office/2006/metadata/properties/metaAttributes" ct:_="" ma:_="" ma:contentTypeName="Document" ma:contentTypeID="0x01010079F111ED35F8CC479449609E8A0923A6" ma:contentTypeVersion="11" ma:contentTypeDescription="Create a new document." ma:contentTypeScope="" ma:versionID="96291512c1ee715ab617f4c07df79fc1">
   <xsd:schema xmlns:xsd="http://www.w3.org/2001/XMLSchema" xmlns:xs="http://www.w3.org/2001/XMLSchema" xmlns:p="http://schemas.microsoft.com/office/2006/metadata/properties" xmlns:ns2="71af3243-3dd4-4a8d-8c0d-dd76da1f02a5" xmlns:ns3="16c05727-aa75-4e4a-9b5f-8a80a1165891" targetNamespace="http://schemas.microsoft.com/office/2006/metadata/properties" ma:root="true" ma:fieldsID="8256c27c40ca5c40ce1cf6c44f0205df" ns2:_="" ns3:_="">
     <xsd:import namespace="71af3243-3dd4-4a8d-8c0d-dd76da1f02a5"/>
@@ -4167,24 +4129,32 @@
 </ct:contentTypeSchema>
 </file>
 
-<file path=customXml/item2.xml><?xml version="1.0" encoding="utf-8"?>
-<?mso-contentType ?>
-<FormTemplates xmlns="http://schemas.microsoft.com/sharepoint/v3/contenttype/forms">
-  <Display>DocumentLibraryForm</Display>
-  <Edit>DocumentLibraryForm</Edit>
-  <New>DocumentLibraryForm</New>
-</FormTemplates>
+<file path=customXml/itemProps1.xml><?xml version="1.0" encoding="utf-8"?>
+<ds:datastoreItem xmlns:ds="http://schemas.openxmlformats.org/officeDocument/2006/customXml" ds:itemID="{51D64A49-1CA9-411A-995C-E10DEA383C46}">
+  <ds:schemaRefs>
+    <ds:schemaRef ds:uri="http://purl.org/dc/elements/1.1/"/>
+    <ds:schemaRef ds:uri="http://purl.org/dc/dcmitype/"/>
+    <ds:schemaRef ds:uri="http://schemas.microsoft.com/office/2006/documentManagement/types"/>
+    <ds:schemaRef ds:uri="http://purl.org/dc/terms/"/>
+    <ds:schemaRef ds:uri="http://www.w3.org/XML/1998/namespace"/>
+    <ds:schemaRef ds:uri="http://schemas.microsoft.com/office/infopath/2007/PartnerControls"/>
+    <ds:schemaRef ds:uri="http://schemas.microsoft.com/office/2006/metadata/properties"/>
+    <ds:schemaRef ds:uri="http://schemas.openxmlformats.org/package/2006/metadata/core-properties"/>
+    <ds:schemaRef ds:uri="16c05727-aa75-4e4a-9b5f-8a80a1165891"/>
+    <ds:schemaRef ds:uri="71af3243-3dd4-4a8d-8c0d-dd76da1f02a5"/>
+  </ds:schemaRefs>
+</ds:datastoreItem>
 </file>
 
-<file path=customXml/item3.xml><?xml version="1.0" encoding="utf-8"?>
-<p:properties xmlns:p="http://schemas.microsoft.com/office/2006/metadata/properties" xmlns:xsi="http://www.w3.org/2001/XMLSchema-instance" xmlns:pc="http://schemas.microsoft.com/office/infopath/2007/PartnerControls">
-  <documentManagement>
-    <MediaServiceKeyPoints xmlns="71af3243-3dd4-4a8d-8c0d-dd76da1f02a5" xsi:nil="true"/>
-  </documentManagement>
-</p:properties>
+<file path=customXml/itemProps2.xml><?xml version="1.0" encoding="utf-8"?>
+<ds:datastoreItem xmlns:ds="http://schemas.openxmlformats.org/officeDocument/2006/customXml" ds:itemID="{C421861C-E9CD-4914-8EF5-0A664685104D}">
+  <ds:schemaRefs>
+    <ds:schemaRef ds:uri="http://schemas.microsoft.com/sharepoint/v3/contenttype/forms"/>
+  </ds:schemaRefs>
+</ds:datastoreItem>
 </file>
 
-<file path=customXml/itemProps1.xml><?xml version="1.0" encoding="utf-8"?>
+<file path=customXml/itemProps3.xml><?xml version="1.0" encoding="utf-8"?>
 <ds:datastoreItem xmlns:ds="http://schemas.openxmlformats.org/officeDocument/2006/customXml" ds:itemID="{1AC6B547-E4C4-4B38-8AC4-5F722BB5B8E6}">
   <ds:schemaRefs>
     <ds:schemaRef ds:uri="http://schemas.microsoft.com/office/2006/metadata/contentType"/>
@@ -4201,29 +4171,4 @@
     <ds:schemaRef ds:uri="http://schemas.microsoft.com/internal/obd"/>
   </ds:schemaRefs>
 </ds:datastoreItem>
-</file>
-
-<file path=customXml/itemProps2.xml><?xml version="1.0" encoding="utf-8"?>
-<ds:datastoreItem xmlns:ds="http://schemas.openxmlformats.org/officeDocument/2006/customXml" ds:itemID="{C421861C-E9CD-4914-8EF5-0A664685104D}">
-  <ds:schemaRefs>
-    <ds:schemaRef ds:uri="http://schemas.microsoft.com/sharepoint/v3/contenttype/forms"/>
-  </ds:schemaRefs>
-</ds:datastoreItem>
-</file>
-
-<file path=customXml/itemProps3.xml><?xml version="1.0" encoding="utf-8"?>
-<ds:datastoreItem xmlns:ds="http://schemas.openxmlformats.org/officeDocument/2006/customXml" ds:itemID="{51D64A49-1CA9-411A-995C-E10DEA383C46}">
-  <ds:schemaRefs>
-    <ds:schemaRef ds:uri="http://purl.org/dc/dcmitype/"/>
-    <ds:schemaRef ds:uri="http://purl.org/dc/terms/"/>
-    <ds:schemaRef ds:uri="http://schemas.microsoft.com/office/infopath/2007/PartnerControls"/>
-    <ds:schemaRef ds:uri="http://www.w3.org/XML/1998/namespace"/>
-    <ds:schemaRef ds:uri="http://schemas.microsoft.com/office/2006/documentManagement/types"/>
-    <ds:schemaRef ds:uri="http://schemas.openxmlformats.org/package/2006/metadata/core-properties"/>
-    <ds:schemaRef ds:uri="http://purl.org/dc/elements/1.1/"/>
-    <ds:schemaRef ds:uri="16c05727-aa75-4e4a-9b5f-8a80a1165891"/>
-    <ds:schemaRef ds:uri="71af3243-3dd4-4a8d-8c0d-dd76da1f02a5"/>
-    <ds:schemaRef ds:uri="http://schemas.microsoft.com/office/2006/metadata/properties"/>
-  </ds:schemaRefs>
-</ds:datastoreItem>
 </file>